--- a/SuSS/2022_ANL201_Viz_Biz/3_Lecture/ANL201 Study Unit 4_2022 - Lecturer.pptx
+++ b/SuSS/2022_ANL201_Viz_Biz/3_Lecture/ANL201 Study Unit 4_2022 - Lecturer.pptx
@@ -2865,7 +2865,7 @@
           <a:p>
             <a:fld id="{FB7F86EF-755F-EF49-95CD-E6F9DEA0E285}" type="datetimeFigureOut">
               <a:rPr lang="en-US" smtClean="0"/>
-              <a:t>1/10/2022</a:t>
+              <a:t>1/20/2022</a:t>
             </a:fld>
             <a:endParaRPr lang="en-US"/>
           </a:p>
@@ -3030,7 +3030,7 @@
           <a:p>
             <a:fld id="{847550CD-65C1-0D40-9457-6DF5C95A232D}" type="datetimeFigureOut">
               <a:rPr lang="en-US" smtClean="0"/>
-              <a:t>1/10/2022</a:t>
+              <a:t>1/20/2022</a:t>
             </a:fld>
             <a:endParaRPr lang="en-US"/>
           </a:p>
@@ -22770,7 +22770,7 @@
           <p:nvPr>
             <p:extLst>
               <p:ext uri="{D42A27DB-BD31-4B8C-83A1-F6EECF244321}">
-                <p14:modId xmlns:p14="http://schemas.microsoft.com/office/powerpoint/2010/main" val="1795877888"/>
+                <p14:modId xmlns:p14="http://schemas.microsoft.com/office/powerpoint/2010/main" val="1727759950"/>
               </p:ext>
             </p:extLst>
           </p:nvPr>
@@ -23250,16 +23250,20 @@
                     <a:p>
                       <a:pPr algn="ctr"/>
                       <a:r>
-                        <a:rPr lang="en-US" sz="1200" dirty="0"/>
-                        <a:t>3</a:t>
+                        <a:rPr lang="en-US" sz="1200" baseline="0"/>
+                        <a:t>05</a:t>
                       </a:r>
                       <a:r>
-                        <a:rPr lang="en-US" sz="1200" baseline="30000" dirty="0"/>
-                        <a:t>rd</a:t>
+                        <a:rPr lang="en-US" sz="1200" baseline="30000"/>
+                        <a:t>th</a:t>
+                      </a:r>
+                      <a:r>
+                        <a:rPr lang="en-US" sz="1200"/>
+                        <a:t> </a:t>
                       </a:r>
                       <a:r>
                         <a:rPr lang="en-US" sz="1200" dirty="0"/>
-                        <a:t> Feb</a:t>
+                        <a:t>Feb</a:t>
                       </a:r>
                       <a:endParaRPr lang="en-SG" sz="1200" dirty="0"/>
                     </a:p>
@@ -24729,6 +24733,15 @@
                       <a:headEnd type="none" w="med" len="med"/>
                       <a:tailEnd type="none" w="med" len="med"/>
                     </a:lnR>
+                    <a:lnT w="28575" cap="flat" cmpd="sng" algn="ctr">
+                      <a:solidFill>
+                        <a:srgbClr val="00B050"/>
+                      </a:solidFill>
+                      <a:prstDash val="solid"/>
+                      <a:round/>
+                      <a:headEnd type="none" w="med" len="med"/>
+                      <a:tailEnd type="none" w="med" len="med"/>
+                    </a:lnT>
                     <a:lnB w="12700" cap="flat" cmpd="sng" algn="ctr">
                       <a:solidFill>
                         <a:schemeClr val="tx1"/>
@@ -40696,6 +40709,24 @@
 </file>
 
 <file path=customXml/item1.xml><?xml version="1.0" encoding="utf-8"?>
+<p:properties xmlns:p="http://schemas.microsoft.com/office/2006/metadata/properties" xmlns:xsi="http://www.w3.org/2001/XMLSchema-instance" xmlns:pc="http://schemas.microsoft.com/office/infopath/2007/PartnerControls">
+  <documentManagement>
+    <_Version xmlns="http://schemas.microsoft.com/sharepoint/v3/fields" xsi:nil="true"/>
+    <_Status xmlns="http://schemas.microsoft.com/sharepoint/v3/fields">Not Started</_Status>
+  </documentManagement>
+</p:properties>
+</file>
+
+<file path=customXml/item2.xml><?xml version="1.0" encoding="utf-8"?>
+<?mso-contentType ?>
+<FormTemplates xmlns="http://schemas.microsoft.com/sharepoint/v3/contenttype/forms">
+  <Display>DocumentLibraryForm</Display>
+  <Edit>DocumentLibraryForm</Edit>
+  <New>DocumentLibraryForm</New>
+</FormTemplates>
+</file>
+
+<file path=customXml/item3.xml><?xml version="1.0" encoding="utf-8"?>
 <ct:contentTypeSchema xmlns:ct="http://schemas.microsoft.com/office/2006/metadata/contentType" xmlns:ma="http://schemas.microsoft.com/office/2006/metadata/properties/metaAttributes" ct:_="" ma:_="" ma:contentTypeName="Document" ma:contentTypeID="0x0101000DE64AEEDD9B7A4D93545ACBE97D4615" ma:contentTypeVersion="2" ma:contentTypeDescription="Create a new document." ma:contentTypeScope="" ma:versionID="f49002b78e3a4a71b814eef46a983816">
   <xsd:schema xmlns:xsd="http://www.w3.org/2001/XMLSchema" xmlns:xs="http://www.w3.org/2001/XMLSchema" xmlns:p="http://schemas.microsoft.com/office/2006/metadata/properties" xmlns:ns2="http://schemas.microsoft.com/sharepoint/v3/fields" targetNamespace="http://schemas.microsoft.com/office/2006/metadata/properties" ma:root="true" ma:fieldsID="38f6db2dd0d9a0cf6a8dc37be32b365b" ns2:_="">
     <xsd:import namespace="http://schemas.microsoft.com/sharepoint/v3/fields"/>
@@ -40839,25 +40870,25 @@
 </ct:contentTypeSchema>
 </file>
 
-<file path=customXml/item2.xml><?xml version="1.0" encoding="utf-8"?>
-<p:properties xmlns:p="http://schemas.microsoft.com/office/2006/metadata/properties" xmlns:xsi="http://www.w3.org/2001/XMLSchema-instance" xmlns:pc="http://schemas.microsoft.com/office/infopath/2007/PartnerControls">
-  <documentManagement>
-    <_Version xmlns="http://schemas.microsoft.com/sharepoint/v3/fields" xsi:nil="true"/>
-    <_Status xmlns="http://schemas.microsoft.com/sharepoint/v3/fields">Not Started</_Status>
-  </documentManagement>
-</p:properties>
+<file path=customXml/itemProps1.xml><?xml version="1.0" encoding="utf-8"?>
+<ds:datastoreItem xmlns:ds="http://schemas.openxmlformats.org/officeDocument/2006/customXml" ds:itemID="{7B6F2769-7194-4217-93D3-3AF3A4742282}">
+  <ds:schemaRefs>
+    <ds:schemaRef ds:uri="http://schemas.microsoft.com/office/2006/metadata/properties"/>
+    <ds:schemaRef ds:uri="http://schemas.microsoft.com/office/infopath/2007/PartnerControls"/>
+    <ds:schemaRef ds:uri="http://schemas.microsoft.com/sharepoint/v3/fields"/>
+  </ds:schemaRefs>
+</ds:datastoreItem>
 </file>
 
-<file path=customXml/item3.xml><?xml version="1.0" encoding="utf-8"?>
-<?mso-contentType ?>
-<FormTemplates xmlns="http://schemas.microsoft.com/sharepoint/v3/contenttype/forms">
-  <Display>DocumentLibraryForm</Display>
-  <Edit>DocumentLibraryForm</Edit>
-  <New>DocumentLibraryForm</New>
-</FormTemplates>
+<file path=customXml/itemProps2.xml><?xml version="1.0" encoding="utf-8"?>
+<ds:datastoreItem xmlns:ds="http://schemas.openxmlformats.org/officeDocument/2006/customXml" ds:itemID="{87D2A1B0-FF3E-4009-940D-AED0EB70AA20}">
+  <ds:schemaRefs>
+    <ds:schemaRef ds:uri="http://schemas.microsoft.com/sharepoint/v3/contenttype/forms"/>
+  </ds:schemaRefs>
+</ds:datastoreItem>
 </file>
 
-<file path=customXml/itemProps1.xml><?xml version="1.0" encoding="utf-8"?>
+<file path=customXml/itemProps3.xml><?xml version="1.0" encoding="utf-8"?>
 <ds:datastoreItem xmlns:ds="http://schemas.openxmlformats.org/officeDocument/2006/customXml" ds:itemID="{E4214858-785C-42F7-BE66-6D0E79395FC8}">
   <ds:schemaRefs>
     <ds:schemaRef ds:uri="http://schemas.microsoft.com/office/2006/metadata/contentType"/>
@@ -40873,22 +40904,4 @@
     <ds:schemaRef ds:uri="http://schemas.microsoft.com/internal/obd"/>
   </ds:schemaRefs>
 </ds:datastoreItem>
-</file>
-
-<file path=customXml/itemProps2.xml><?xml version="1.0" encoding="utf-8"?>
-<ds:datastoreItem xmlns:ds="http://schemas.openxmlformats.org/officeDocument/2006/customXml" ds:itemID="{7B6F2769-7194-4217-93D3-3AF3A4742282}">
-  <ds:schemaRefs>
-    <ds:schemaRef ds:uri="http://schemas.microsoft.com/office/2006/metadata/properties"/>
-    <ds:schemaRef ds:uri="http://schemas.microsoft.com/office/infopath/2007/PartnerControls"/>
-    <ds:schemaRef ds:uri="http://schemas.microsoft.com/sharepoint/v3/fields"/>
-  </ds:schemaRefs>
-</ds:datastoreItem>
-</file>
-
-<file path=customXml/itemProps3.xml><?xml version="1.0" encoding="utf-8"?>
-<ds:datastoreItem xmlns:ds="http://schemas.openxmlformats.org/officeDocument/2006/customXml" ds:itemID="{87D2A1B0-FF3E-4009-940D-AED0EB70AA20}">
-  <ds:schemaRefs>
-    <ds:schemaRef ds:uri="http://schemas.microsoft.com/sharepoint/v3/contenttype/forms"/>
-  </ds:schemaRefs>
-</ds:datastoreItem>
 </file>